--- a/03-Loops.pptx
+++ b/03-Loops.pptx
@@ -126,6 +126,22 @@
       </a:defRPr>
     </a:lvl9pPr>
   </p:defaultTextStyle>
+  <p:extLst>
+    <p:ext uri="{EFAFB233-063F-42B5-8137-9DF3F51BA10A}">
+      <p15:sldGuideLst xmlns:p15="http://schemas.microsoft.com/office/powerpoint/2012/main">
+        <p15:guide id="1" orient="horz" pos="2160">
+          <p15:clr>
+            <a:srgbClr val="A4A3A4"/>
+          </p15:clr>
+        </p15:guide>
+        <p15:guide id="2" pos="2880">
+          <p15:clr>
+            <a:srgbClr val="A4A3A4"/>
+          </p15:clr>
+        </p15:guide>
+      </p15:sldGuideLst>
+    </p:ext>
+  </p:extLst>
 </p:presentation>
 </file>
 
@@ -310,7 +326,7 @@
           <a:p>
             <a:fld id="{3EA744D9-3FBE-48D8-BF2A-85DF203E4D20}" type="datetimeFigureOut">
               <a:rPr lang="bg-BG" smtClean="0"/>
-              <a:t>7.5.2015 г.</a:t>
+              <a:t>28.11.2015 г.</a:t>
             </a:fld>
             <a:endParaRPr lang="bg-BG"/>
           </a:p>
@@ -480,7 +496,7 @@
           <a:p>
             <a:fld id="{3EA744D9-3FBE-48D8-BF2A-85DF203E4D20}" type="datetimeFigureOut">
               <a:rPr lang="bg-BG" smtClean="0"/>
-              <a:t>7.5.2015 г.</a:t>
+              <a:t>28.11.2015 г.</a:t>
             </a:fld>
             <a:endParaRPr lang="bg-BG"/>
           </a:p>
@@ -660,7 +676,7 @@
           <a:p>
             <a:fld id="{3EA744D9-3FBE-48D8-BF2A-85DF203E4D20}" type="datetimeFigureOut">
               <a:rPr lang="bg-BG" smtClean="0"/>
-              <a:t>7.5.2015 г.</a:t>
+              <a:t>28.11.2015 г.</a:t>
             </a:fld>
             <a:endParaRPr lang="bg-BG"/>
           </a:p>
@@ -830,7 +846,7 @@
           <a:p>
             <a:fld id="{3EA744D9-3FBE-48D8-BF2A-85DF203E4D20}" type="datetimeFigureOut">
               <a:rPr lang="bg-BG" smtClean="0"/>
-              <a:t>7.5.2015 г.</a:t>
+              <a:t>28.11.2015 г.</a:t>
             </a:fld>
             <a:endParaRPr lang="bg-BG"/>
           </a:p>
@@ -1076,7 +1092,7 @@
           <a:p>
             <a:fld id="{3EA744D9-3FBE-48D8-BF2A-85DF203E4D20}" type="datetimeFigureOut">
               <a:rPr lang="bg-BG" smtClean="0"/>
-              <a:t>7.5.2015 г.</a:t>
+              <a:t>28.11.2015 г.</a:t>
             </a:fld>
             <a:endParaRPr lang="bg-BG"/>
           </a:p>
@@ -1364,7 +1380,7 @@
           <a:p>
             <a:fld id="{3EA744D9-3FBE-48D8-BF2A-85DF203E4D20}" type="datetimeFigureOut">
               <a:rPr lang="bg-BG" smtClean="0"/>
-              <a:t>7.5.2015 г.</a:t>
+              <a:t>28.11.2015 г.</a:t>
             </a:fld>
             <a:endParaRPr lang="bg-BG"/>
           </a:p>
@@ -1786,7 +1802,7 @@
           <a:p>
             <a:fld id="{3EA744D9-3FBE-48D8-BF2A-85DF203E4D20}" type="datetimeFigureOut">
               <a:rPr lang="bg-BG" smtClean="0"/>
-              <a:t>7.5.2015 г.</a:t>
+              <a:t>28.11.2015 г.</a:t>
             </a:fld>
             <a:endParaRPr lang="bg-BG"/>
           </a:p>
@@ -1904,7 +1920,7 @@
           <a:p>
             <a:fld id="{3EA744D9-3FBE-48D8-BF2A-85DF203E4D20}" type="datetimeFigureOut">
               <a:rPr lang="bg-BG" smtClean="0"/>
-              <a:t>7.5.2015 г.</a:t>
+              <a:t>28.11.2015 г.</a:t>
             </a:fld>
             <a:endParaRPr lang="bg-BG"/>
           </a:p>
@@ -1999,7 +2015,7 @@
           <a:p>
             <a:fld id="{3EA744D9-3FBE-48D8-BF2A-85DF203E4D20}" type="datetimeFigureOut">
               <a:rPr lang="bg-BG" smtClean="0"/>
-              <a:t>7.5.2015 г.</a:t>
+              <a:t>28.11.2015 г.</a:t>
             </a:fld>
             <a:endParaRPr lang="bg-BG"/>
           </a:p>
@@ -2276,7 +2292,7 @@
           <a:p>
             <a:fld id="{3EA744D9-3FBE-48D8-BF2A-85DF203E4D20}" type="datetimeFigureOut">
               <a:rPr lang="bg-BG" smtClean="0"/>
-              <a:t>7.5.2015 г.</a:t>
+              <a:t>28.11.2015 г.</a:t>
             </a:fld>
             <a:endParaRPr lang="bg-BG"/>
           </a:p>
@@ -2529,7 +2545,7 @@
           <a:p>
             <a:fld id="{3EA744D9-3FBE-48D8-BF2A-85DF203E4D20}" type="datetimeFigureOut">
               <a:rPr lang="bg-BG" smtClean="0"/>
-              <a:t>7.5.2015 г.</a:t>
+              <a:t>28.11.2015 г.</a:t>
             </a:fld>
             <a:endParaRPr lang="bg-BG"/>
           </a:p>
@@ -2751,7 +2767,7 @@
           <a:p>
             <a:fld id="{3EA744D9-3FBE-48D8-BF2A-85DF203E4D20}" type="datetimeFigureOut">
               <a:rPr lang="bg-BG" smtClean="0"/>
-              <a:t>7.5.2015 г.</a:t>
+              <a:t>28.11.2015 г.</a:t>
             </a:fld>
             <a:endParaRPr lang="bg-BG"/>
           </a:p>
@@ -4368,23 +4384,7 @@
                   <a:schemeClr val="accent6"/>
                 </a:solidFill>
               </a:rPr>
-              <a:t> на </a:t>
-            </a:r>
-            <a:r>
-              <a:rPr lang="bg-BG" dirty="0" smtClean="0">
-                <a:solidFill>
-                  <a:schemeClr val="accent6"/>
-                </a:solidFill>
-              </a:rPr>
-              <a:t>вложените </a:t>
-            </a:r>
-            <a:r>
-              <a:rPr lang="bg-BG" dirty="0" smtClean="0">
-                <a:solidFill>
-                  <a:schemeClr val="accent6"/>
-                </a:solidFill>
-              </a:rPr>
-              <a:t>цикли</a:t>
+              <a:t> на вложените цикли</a:t>
             </a:r>
             <a:endParaRPr lang="bg-BG" dirty="0">
               <a:solidFill>
@@ -7281,9 +7281,9 @@
           </a:bodyPr>
           <a:lstStyle/>
           <a:p>
-            <a:pPr>
-              <a:buFont typeface="Wingdings" panose="05000000000000000000" pitchFamily="2" charset="2"/>
-              <a:buChar char="§"/>
+            <a:pPr marL="457200" indent="-457200">
+              <a:buFont typeface="+mj-lt"/>
+              <a:buAutoNum type="arabicParenR"/>
             </a:pPr>
             <a:r>
               <a:rPr lang="ru-RU" sz="2000" dirty="0">
@@ -7457,9 +7457,9 @@
             </a:r>
           </a:p>
           <a:p>
-            <a:pPr>
-              <a:buFont typeface="Wingdings" panose="05000000000000000000" pitchFamily="2" charset="2"/>
-              <a:buChar char="§"/>
+            <a:pPr marL="457200" indent="-457200">
+              <a:buFont typeface="+mj-lt"/>
+              <a:buAutoNum type="arabicParenR"/>
             </a:pPr>
             <a:r>
               <a:rPr lang="ru-RU" sz="2000" dirty="0">
@@ -7653,9 +7653,9 @@
             </a:r>
           </a:p>
           <a:p>
-            <a:pPr>
-              <a:buFont typeface="Wingdings" panose="05000000000000000000" pitchFamily="2" charset="2"/>
-              <a:buChar char="§"/>
+            <a:pPr marL="457200" indent="-457200">
+              <a:buFont typeface="+mj-lt"/>
+              <a:buAutoNum type="arabicParenR"/>
             </a:pPr>
             <a:r>
               <a:rPr lang="ru-RU" sz="2000" dirty="0">
@@ -7829,9 +7829,9 @@
             </a:r>
           </a:p>
           <a:p>
-            <a:pPr>
-              <a:buFont typeface="Wingdings" panose="05000000000000000000" pitchFamily="2" charset="2"/>
-              <a:buChar char="§"/>
+            <a:pPr marL="457200" indent="-457200">
+              <a:buFont typeface="+mj-lt"/>
+              <a:buAutoNum type="arabicParenR"/>
             </a:pPr>
             <a:r>
               <a:rPr lang="ru-RU" sz="2000" dirty="0">
@@ -7950,9 +7950,9 @@
             </a:endParaRPr>
           </a:p>
           <a:p>
-            <a:pPr>
-              <a:buFont typeface="Wingdings" panose="05000000000000000000" pitchFamily="2" charset="2"/>
-              <a:buChar char="§"/>
+            <a:pPr marL="457200" indent="-457200">
+              <a:buFont typeface="+mj-lt"/>
+              <a:buAutoNum type="arabicParenR"/>
             </a:pPr>
             <a:r>
               <a:rPr lang="ru-RU" sz="2000" dirty="0">

--- a/03-Loops.pptx
+++ b/03-Loops.pptx
@@ -326,7 +326,7 @@
           <a:p>
             <a:fld id="{3EA744D9-3FBE-48D8-BF2A-85DF203E4D20}" type="datetimeFigureOut">
               <a:rPr lang="bg-BG" smtClean="0"/>
-              <a:t>28.11.2015 г.</a:t>
+              <a:t>29.11.2015 г.</a:t>
             </a:fld>
             <a:endParaRPr lang="bg-BG"/>
           </a:p>
@@ -496,7 +496,7 @@
           <a:p>
             <a:fld id="{3EA744D9-3FBE-48D8-BF2A-85DF203E4D20}" type="datetimeFigureOut">
               <a:rPr lang="bg-BG" smtClean="0"/>
-              <a:t>28.11.2015 г.</a:t>
+              <a:t>29.11.2015 г.</a:t>
             </a:fld>
             <a:endParaRPr lang="bg-BG"/>
           </a:p>
@@ -676,7 +676,7 @@
           <a:p>
             <a:fld id="{3EA744D9-3FBE-48D8-BF2A-85DF203E4D20}" type="datetimeFigureOut">
               <a:rPr lang="bg-BG" smtClean="0"/>
-              <a:t>28.11.2015 г.</a:t>
+              <a:t>29.11.2015 г.</a:t>
             </a:fld>
             <a:endParaRPr lang="bg-BG"/>
           </a:p>
@@ -846,7 +846,7 @@
           <a:p>
             <a:fld id="{3EA744D9-3FBE-48D8-BF2A-85DF203E4D20}" type="datetimeFigureOut">
               <a:rPr lang="bg-BG" smtClean="0"/>
-              <a:t>28.11.2015 г.</a:t>
+              <a:t>29.11.2015 г.</a:t>
             </a:fld>
             <a:endParaRPr lang="bg-BG"/>
           </a:p>
@@ -1092,7 +1092,7 @@
           <a:p>
             <a:fld id="{3EA744D9-3FBE-48D8-BF2A-85DF203E4D20}" type="datetimeFigureOut">
               <a:rPr lang="bg-BG" smtClean="0"/>
-              <a:t>28.11.2015 г.</a:t>
+              <a:t>29.11.2015 г.</a:t>
             </a:fld>
             <a:endParaRPr lang="bg-BG"/>
           </a:p>
@@ -1380,7 +1380,7 @@
           <a:p>
             <a:fld id="{3EA744D9-3FBE-48D8-BF2A-85DF203E4D20}" type="datetimeFigureOut">
               <a:rPr lang="bg-BG" smtClean="0"/>
-              <a:t>28.11.2015 г.</a:t>
+              <a:t>29.11.2015 г.</a:t>
             </a:fld>
             <a:endParaRPr lang="bg-BG"/>
           </a:p>
@@ -1802,7 +1802,7 @@
           <a:p>
             <a:fld id="{3EA744D9-3FBE-48D8-BF2A-85DF203E4D20}" type="datetimeFigureOut">
               <a:rPr lang="bg-BG" smtClean="0"/>
-              <a:t>28.11.2015 г.</a:t>
+              <a:t>29.11.2015 г.</a:t>
             </a:fld>
             <a:endParaRPr lang="bg-BG"/>
           </a:p>
@@ -1920,7 +1920,7 @@
           <a:p>
             <a:fld id="{3EA744D9-3FBE-48D8-BF2A-85DF203E4D20}" type="datetimeFigureOut">
               <a:rPr lang="bg-BG" smtClean="0"/>
-              <a:t>28.11.2015 г.</a:t>
+              <a:t>29.11.2015 г.</a:t>
             </a:fld>
             <a:endParaRPr lang="bg-BG"/>
           </a:p>
@@ -2015,7 +2015,7 @@
           <a:p>
             <a:fld id="{3EA744D9-3FBE-48D8-BF2A-85DF203E4D20}" type="datetimeFigureOut">
               <a:rPr lang="bg-BG" smtClean="0"/>
-              <a:t>28.11.2015 г.</a:t>
+              <a:t>29.11.2015 г.</a:t>
             </a:fld>
             <a:endParaRPr lang="bg-BG"/>
           </a:p>
@@ -2292,7 +2292,7 @@
           <a:p>
             <a:fld id="{3EA744D9-3FBE-48D8-BF2A-85DF203E4D20}" type="datetimeFigureOut">
               <a:rPr lang="bg-BG" smtClean="0"/>
-              <a:t>28.11.2015 г.</a:t>
+              <a:t>29.11.2015 г.</a:t>
             </a:fld>
             <a:endParaRPr lang="bg-BG"/>
           </a:p>
@@ -2545,7 +2545,7 @@
           <a:p>
             <a:fld id="{3EA744D9-3FBE-48D8-BF2A-85DF203E4D20}" type="datetimeFigureOut">
               <a:rPr lang="bg-BG" smtClean="0"/>
-              <a:t>28.11.2015 г.</a:t>
+              <a:t>29.11.2015 г.</a:t>
             </a:fld>
             <a:endParaRPr lang="bg-BG"/>
           </a:p>
@@ -2767,7 +2767,7 @@
           <a:p>
             <a:fld id="{3EA744D9-3FBE-48D8-BF2A-85DF203E4D20}" type="datetimeFigureOut">
               <a:rPr lang="bg-BG" smtClean="0"/>
-              <a:t>28.11.2015 г.</a:t>
+              <a:t>29.11.2015 г.</a:t>
             </a:fld>
             <a:endParaRPr lang="bg-BG"/>
           </a:p>
@@ -3341,23 +3341,15 @@
                   </a:schemeClr>
                 </a:solidFill>
               </a:rPr>
-              <a:t> </a:t>
-            </a:r>
-          </a:p>
-          <a:p>
-            <a:pPr marL="0" indent="0">
-              <a:buNone/>
-            </a:pPr>
-            <a:r>
-              <a:rPr lang="en-US" dirty="0" smtClean="0">
-                <a:solidFill>
-                  <a:schemeClr val="bg1">
-                    <a:lumMod val="95000"/>
-                  </a:schemeClr>
-                </a:solidFill>
-              </a:rPr>
-              <a:t>{</a:t>
-            </a:r>
+              <a:t> {</a:t>
+            </a:r>
+            <a:endParaRPr lang="en-US" dirty="0" smtClean="0">
+              <a:solidFill>
+                <a:schemeClr val="bg1">
+                  <a:lumMod val="95000"/>
+                </a:schemeClr>
+              </a:solidFill>
+            </a:endParaRPr>
           </a:p>
           <a:p>
             <a:pPr marL="0" indent="0">
@@ -4081,11 +4073,6 @@
               </a:rPr>
               <a:t> </a:t>
             </a:r>
-          </a:p>
-          <a:p>
-            <a:pPr marL="0" indent="0">
-              <a:buNone/>
-            </a:pPr>
             <a:r>
               <a:rPr lang="en-US" sz="2400" dirty="0" smtClean="0">
                 <a:solidFill>
@@ -4095,101 +4082,6 @@
                 </a:solidFill>
               </a:rPr>
               <a:t>{</a:t>
-            </a:r>
-          </a:p>
-          <a:p>
-            <a:pPr marL="0" indent="0">
-              <a:buNone/>
-            </a:pPr>
-            <a:r>
-              <a:rPr lang="en-US" sz="2400" dirty="0">
-                <a:solidFill>
-                  <a:schemeClr val="bg1">
-                    <a:lumMod val="95000"/>
-                  </a:schemeClr>
-                </a:solidFill>
-              </a:rPr>
-              <a:t>	 for </a:t>
-            </a:r>
-            <a:r>
-              <a:rPr lang="en-US" sz="2400" dirty="0" smtClean="0">
-                <a:solidFill>
-                  <a:schemeClr val="bg1">
-                    <a:lumMod val="95000"/>
-                  </a:schemeClr>
-                </a:solidFill>
-              </a:rPr>
-              <a:t>(initialization;</a:t>
-            </a:r>
-            <a:r>
-              <a:rPr lang="bg-BG" sz="2400" dirty="0" smtClean="0">
-                <a:solidFill>
-                  <a:schemeClr val="bg1">
-                    <a:lumMod val="95000"/>
-                  </a:schemeClr>
-                </a:solidFill>
-              </a:rPr>
-              <a:t> </a:t>
-            </a:r>
-            <a:r>
-              <a:rPr lang="en-US" sz="2400" dirty="0" smtClean="0">
-                <a:solidFill>
-                  <a:schemeClr val="bg1">
-                    <a:lumMod val="95000"/>
-                  </a:schemeClr>
-                </a:solidFill>
-              </a:rPr>
-              <a:t>check</a:t>
-            </a:r>
-            <a:r>
-              <a:rPr lang="en-US" sz="2400" dirty="0">
-                <a:solidFill>
-                  <a:schemeClr val="bg1">
-                    <a:lumMod val="95000"/>
-                  </a:schemeClr>
-                </a:solidFill>
-              </a:rPr>
-              <a:t>; </a:t>
-            </a:r>
-            <a:r>
-              <a:rPr lang="en-US" sz="2400" dirty="0" err="1">
-                <a:solidFill>
-                  <a:schemeClr val="bg1">
-                    <a:lumMod val="95000"/>
-                  </a:schemeClr>
-                </a:solidFill>
-              </a:rPr>
-              <a:t>incrementation</a:t>
-            </a:r>
-            <a:r>
-              <a:rPr lang="bg-BG" sz="2400" dirty="0">
-                <a:solidFill>
-                  <a:schemeClr val="bg1">
-                    <a:lumMod val="95000"/>
-                  </a:schemeClr>
-                </a:solidFill>
-              </a:rPr>
-              <a:t>)</a:t>
-            </a:r>
-            <a:r>
-              <a:rPr lang="en-US" sz="2400" dirty="0" smtClean="0">
-                <a:solidFill>
-                  <a:schemeClr val="bg1">
-                    <a:lumMod val="95000"/>
-                  </a:schemeClr>
-                </a:solidFill>
-              </a:rPr>
-              <a:t> </a:t>
-            </a:r>
-            <a:r>
-              <a:rPr lang="bg-BG" sz="2400" dirty="0" smtClean="0">
-                <a:solidFill>
-                  <a:schemeClr val="bg1">
-                    <a:lumMod val="95000"/>
-                  </a:schemeClr>
-                </a:solidFill>
-              </a:rPr>
-              <a:t> </a:t>
             </a:r>
             <a:endParaRPr lang="en-US" sz="2400" dirty="0" smtClean="0">
               <a:solidFill>
@@ -4211,7 +4103,87 @@
                   </a:schemeClr>
                 </a:solidFill>
               </a:rPr>
-              <a:t>	</a:t>
+              <a:t>	 for </a:t>
+            </a:r>
+            <a:r>
+              <a:rPr lang="en-US" sz="2400" dirty="0" smtClean="0">
+                <a:solidFill>
+                  <a:schemeClr val="bg1">
+                    <a:lumMod val="95000"/>
+                  </a:schemeClr>
+                </a:solidFill>
+              </a:rPr>
+              <a:t>(initialization;</a:t>
+            </a:r>
+            <a:r>
+              <a:rPr lang="bg-BG" sz="2400" dirty="0" smtClean="0">
+                <a:solidFill>
+                  <a:schemeClr val="bg1">
+                    <a:lumMod val="95000"/>
+                  </a:schemeClr>
+                </a:solidFill>
+              </a:rPr>
+              <a:t> </a:t>
+            </a:r>
+            <a:r>
+              <a:rPr lang="en-US" sz="2400" dirty="0" smtClean="0">
+                <a:solidFill>
+                  <a:schemeClr val="bg1">
+                    <a:lumMod val="95000"/>
+                  </a:schemeClr>
+                </a:solidFill>
+              </a:rPr>
+              <a:t>check</a:t>
+            </a:r>
+            <a:r>
+              <a:rPr lang="en-US" sz="2400" dirty="0">
+                <a:solidFill>
+                  <a:schemeClr val="bg1">
+                    <a:lumMod val="95000"/>
+                  </a:schemeClr>
+                </a:solidFill>
+              </a:rPr>
+              <a:t>; </a:t>
+            </a:r>
+            <a:r>
+              <a:rPr lang="en-US" sz="2400" dirty="0" err="1">
+                <a:solidFill>
+                  <a:schemeClr val="bg1">
+                    <a:lumMod val="95000"/>
+                  </a:schemeClr>
+                </a:solidFill>
+              </a:rPr>
+              <a:t>incrementation</a:t>
+            </a:r>
+            <a:r>
+              <a:rPr lang="bg-BG" sz="2400" dirty="0">
+                <a:solidFill>
+                  <a:schemeClr val="bg1">
+                    <a:lumMod val="95000"/>
+                  </a:schemeClr>
+                </a:solidFill>
+              </a:rPr>
+              <a:t>)</a:t>
+            </a:r>
+            <a:r>
+              <a:rPr lang="en-US" sz="2400" dirty="0" smtClean="0">
+                <a:solidFill>
+                  <a:schemeClr val="bg1">
+                    <a:lumMod val="95000"/>
+                  </a:schemeClr>
+                </a:solidFill>
+              </a:rPr>
+              <a:t> </a:t>
+            </a:r>
+            <a:r>
+              <a:rPr lang="bg-BG" sz="2400" dirty="0" smtClean="0">
+                <a:solidFill>
+                  <a:schemeClr val="bg1">
+                    <a:lumMod val="95000"/>
+                  </a:schemeClr>
+                </a:solidFill>
+              </a:rPr>
+              <a:t> </a:t>
             </a:r>
             <a:r>
               <a:rPr lang="en-US" sz="2400" dirty="0" smtClean="0">
@@ -7272,7 +7244,7 @@
         <p:spPr>
           <a:xfrm>
             <a:off x="762000" y="1676400"/>
-            <a:ext cx="7620000" cy="4876800"/>
+            <a:ext cx="7467600" cy="4876800"/>
           </a:xfrm>
         </p:spPr>
         <p:txBody>
@@ -7281,11 +7253,50 @@
           </a:bodyPr>
           <a:lstStyle/>
           <a:p>
-            <a:pPr marL="457200" indent="-457200">
-              <a:buFont typeface="+mj-lt"/>
-              <a:buAutoNum type="arabicParenR"/>
+            <a:pPr marL="0" indent="0">
+              <a:buNone/>
             </a:pPr>
             <a:r>
+              <a:rPr lang="en-US" sz="2000" dirty="0" smtClean="0">
+                <a:solidFill>
+                  <a:schemeClr val="bg1">
+                    <a:lumMod val="95000"/>
+                  </a:schemeClr>
+                </a:solidFill>
+              </a:rPr>
+              <a:t>3.2.1</a:t>
+            </a:r>
+            <a:r>
+              <a:rPr lang="en-US" sz="2000" dirty="0">
+                <a:solidFill>
+                  <a:schemeClr val="bg1">
+                    <a:lumMod val="95000"/>
+                  </a:schemeClr>
+                </a:solidFill>
+              </a:rPr>
+              <a:t>) </a:t>
+            </a:r>
+            <a:r>
+              <a:rPr lang="ru-RU" sz="2000" dirty="0" smtClean="0">
+                <a:solidFill>
+                  <a:schemeClr val="bg1">
+                    <a:lumMod val="95000"/>
+                  </a:schemeClr>
+                </a:solidFill>
+              </a:rPr>
+              <a:t>Напишете </a:t>
+            </a:r>
+            <a:r>
+              <a:rPr lang="ru-RU" sz="2000" dirty="0" err="1">
+                <a:solidFill>
+                  <a:schemeClr val="bg1">
+                    <a:lumMod val="95000"/>
+                  </a:schemeClr>
+                </a:solidFill>
+              </a:rPr>
+              <a:t>програма</a:t>
+            </a:r>
+            <a:r>
               <a:rPr lang="ru-RU" sz="2000" dirty="0">
                 <a:solidFill>
                   <a:schemeClr val="bg1">
@@ -7293,6 +7304,171 @@
                   </a:schemeClr>
                 </a:solidFill>
               </a:rPr>
+              <a:t>, </a:t>
+            </a:r>
+            <a:r>
+              <a:rPr lang="ru-RU" sz="2000" dirty="0" err="1">
+                <a:solidFill>
+                  <a:schemeClr val="bg1">
+                    <a:lumMod val="95000"/>
+                  </a:schemeClr>
+                </a:solidFill>
+              </a:rPr>
+              <a:t>която</a:t>
+            </a:r>
+            <a:r>
+              <a:rPr lang="ru-RU" sz="2000" dirty="0">
+                <a:solidFill>
+                  <a:schemeClr val="bg1">
+                    <a:lumMod val="95000"/>
+                  </a:schemeClr>
+                </a:solidFill>
+              </a:rPr>
+              <a:t> </a:t>
+            </a:r>
+            <a:r>
+              <a:rPr lang="ru-RU" sz="2000" dirty="0" err="1">
+                <a:solidFill>
+                  <a:schemeClr val="bg1">
+                    <a:lumMod val="95000"/>
+                  </a:schemeClr>
+                </a:solidFill>
+              </a:rPr>
+              <a:t>отпечатва</a:t>
+            </a:r>
+            <a:r>
+              <a:rPr lang="ru-RU" sz="2000" dirty="0">
+                <a:solidFill>
+                  <a:schemeClr val="bg1">
+                    <a:lumMod val="95000"/>
+                  </a:schemeClr>
+                </a:solidFill>
+              </a:rPr>
+              <a:t> на </a:t>
+            </a:r>
+            <a:r>
+              <a:rPr lang="ru-RU" sz="2000" dirty="0" err="1">
+                <a:solidFill>
+                  <a:schemeClr val="bg1">
+                    <a:lumMod val="95000"/>
+                  </a:schemeClr>
+                </a:solidFill>
+              </a:rPr>
+              <a:t>конзолата</a:t>
+            </a:r>
+            <a:r>
+              <a:rPr lang="ru-RU" sz="2000" dirty="0">
+                <a:solidFill>
+                  <a:schemeClr val="bg1">
+                    <a:lumMod val="95000"/>
+                  </a:schemeClr>
+                </a:solidFill>
+              </a:rPr>
+              <a:t> </a:t>
+            </a:r>
+            <a:r>
+              <a:rPr lang="ru-RU" sz="2000" dirty="0" err="1">
+                <a:solidFill>
+                  <a:schemeClr val="bg1">
+                    <a:lumMod val="95000"/>
+                  </a:schemeClr>
+                </a:solidFill>
+              </a:rPr>
+              <a:t>числата</a:t>
+            </a:r>
+            <a:r>
+              <a:rPr lang="ru-RU" sz="2000" dirty="0">
+                <a:solidFill>
+                  <a:schemeClr val="bg1">
+                    <a:lumMod val="95000"/>
+                  </a:schemeClr>
+                </a:solidFill>
+              </a:rPr>
+              <a:t> от 1 до N. </a:t>
+            </a:r>
+            <a:r>
+              <a:rPr lang="ru-RU" sz="2000" dirty="0" err="1">
+                <a:solidFill>
+                  <a:schemeClr val="bg1">
+                    <a:lumMod val="95000"/>
+                  </a:schemeClr>
+                </a:solidFill>
+              </a:rPr>
+              <a:t>Числото</a:t>
+            </a:r>
+            <a:r>
+              <a:rPr lang="ru-RU" sz="2000" dirty="0">
+                <a:solidFill>
+                  <a:schemeClr val="bg1">
+                    <a:lumMod val="95000"/>
+                  </a:schemeClr>
+                </a:solidFill>
+              </a:rPr>
+              <a:t> N се </a:t>
+            </a:r>
+            <a:r>
+              <a:rPr lang="ru-RU" sz="2000" dirty="0" err="1">
+                <a:solidFill>
+                  <a:schemeClr val="bg1">
+                    <a:lumMod val="95000"/>
+                  </a:schemeClr>
+                </a:solidFill>
+              </a:rPr>
+              <a:t>въвежда</a:t>
+            </a:r>
+            <a:r>
+              <a:rPr lang="ru-RU" sz="2000" dirty="0">
+                <a:solidFill>
+                  <a:schemeClr val="bg1">
+                    <a:lumMod val="95000"/>
+                  </a:schemeClr>
+                </a:solidFill>
+              </a:rPr>
+              <a:t> от </a:t>
+            </a:r>
+            <a:r>
+              <a:rPr lang="ru-RU" sz="2000" dirty="0" err="1">
+                <a:solidFill>
+                  <a:schemeClr val="bg1">
+                    <a:lumMod val="95000"/>
+                  </a:schemeClr>
+                </a:solidFill>
+              </a:rPr>
+              <a:t>конзолата</a:t>
+            </a:r>
+            <a:r>
+              <a:rPr lang="ru-RU" sz="2000" dirty="0">
+                <a:solidFill>
+                  <a:schemeClr val="bg1">
+                    <a:lumMod val="95000"/>
+                  </a:schemeClr>
+                </a:solidFill>
+              </a:rPr>
+              <a:t>.</a:t>
+            </a:r>
+          </a:p>
+          <a:p>
+            <a:pPr marL="0" indent="0">
+              <a:buNone/>
+            </a:pPr>
+            <a:r>
+              <a:rPr lang="en-US" sz="2000" dirty="0" smtClean="0">
+                <a:solidFill>
+                  <a:schemeClr val="bg1">
+                    <a:lumMod val="95000"/>
+                  </a:schemeClr>
+                </a:solidFill>
+              </a:rPr>
+              <a:t>3.2.2) </a:t>
+            </a:r>
+            <a:r>
+              <a:rPr lang="ru-RU" sz="2000" dirty="0" smtClean="0">
+                <a:solidFill>
+                  <a:schemeClr val="bg1">
+                    <a:lumMod val="95000"/>
+                  </a:schemeClr>
+                </a:solidFill>
+              </a:rPr>
               <a:t>Напишете </a:t>
             </a:r>
             <a:r>
@@ -7393,7 +7569,7 @@
                   </a:schemeClr>
                 </a:solidFill>
               </a:rPr>
-              <a:t> от 1 до N. </a:t>
+              <a:t> от 1 до N, </a:t>
             </a:r>
             <a:r>
               <a:rPr lang="ru-RU" sz="2000" dirty="0" err="1">
@@ -7403,6 +7579,26 @@
                   </a:schemeClr>
                 </a:solidFill>
               </a:rPr>
+              <a:t>които</a:t>
+            </a:r>
+            <a:r>
+              <a:rPr lang="ru-RU" sz="2000" dirty="0">
+                <a:solidFill>
+                  <a:schemeClr val="bg1">
+                    <a:lumMod val="95000"/>
+                  </a:schemeClr>
+                </a:solidFill>
+              </a:rPr>
+              <a:t> не се делят на 3 и 7. </a:t>
+            </a:r>
+            <a:r>
+              <a:rPr lang="ru-RU" sz="2000" dirty="0" err="1">
+                <a:solidFill>
+                  <a:schemeClr val="bg1">
+                    <a:lumMod val="95000"/>
+                  </a:schemeClr>
+                </a:solidFill>
+              </a:rPr>
               <a:t>Числото</a:t>
             </a:r>
             <a:r>
@@ -7457,11 +7653,40 @@
             </a:r>
           </a:p>
           <a:p>
-            <a:pPr marL="457200" indent="-457200">
-              <a:buFont typeface="+mj-lt"/>
-              <a:buAutoNum type="arabicParenR"/>
+            <a:pPr marL="0" indent="0">
+              <a:buNone/>
             </a:pPr>
             <a:r>
+              <a:rPr lang="en-US" sz="2000" dirty="0" smtClean="0">
+                <a:solidFill>
+                  <a:schemeClr val="bg1">
+                    <a:lumMod val="95000"/>
+                  </a:schemeClr>
+                </a:solidFill>
+              </a:rPr>
+              <a:t>3.2.3) </a:t>
+            </a:r>
+            <a:r>
+              <a:rPr lang="ru-RU" sz="2000" dirty="0" smtClean="0">
+                <a:solidFill>
+                  <a:schemeClr val="bg1">
+                    <a:lumMod val="95000"/>
+                  </a:schemeClr>
+                </a:solidFill>
+              </a:rPr>
+              <a:t>Напишете </a:t>
+            </a:r>
+            <a:r>
+              <a:rPr lang="ru-RU" sz="2000" dirty="0" err="1">
+                <a:solidFill>
+                  <a:schemeClr val="bg1">
+                    <a:lumMod val="95000"/>
+                  </a:schemeClr>
+                </a:solidFill>
+              </a:rPr>
+              <a:t>програма</a:t>
+            </a:r>
+            <a:r>
               <a:rPr lang="ru-RU" sz="2000" dirty="0">
                 <a:solidFill>
                   <a:schemeClr val="bg1">
@@ -7469,7 +7694,7 @@
                   </a:schemeClr>
                 </a:solidFill>
               </a:rPr>
-              <a:t>Напишете </a:t>
+              <a:t>, </a:t>
             </a:r>
             <a:r>
               <a:rPr lang="ru-RU" sz="2000" dirty="0" err="1">
@@ -7479,7 +7704,7 @@
                   </a:schemeClr>
                 </a:solidFill>
               </a:rPr>
-              <a:t>програма</a:t>
+              <a:t>която</a:t>
             </a:r>
             <a:r>
               <a:rPr lang="ru-RU" sz="2000" dirty="0">
@@ -7489,7 +7714,7 @@
                   </a:schemeClr>
                 </a:solidFill>
               </a:rPr>
-              <a:t>, </a:t>
+              <a:t> чете от </a:t>
             </a:r>
             <a:r>
               <a:rPr lang="ru-RU" sz="2000" dirty="0" err="1">
@@ -7499,7 +7724,7 @@
                   </a:schemeClr>
                 </a:solidFill>
               </a:rPr>
-              <a:t>която</a:t>
+              <a:t>конзолата</a:t>
             </a:r>
             <a:r>
               <a:rPr lang="ru-RU" sz="2000" dirty="0">
@@ -7519,6 +7744,26 @@
                   </a:schemeClr>
                 </a:solidFill>
               </a:rPr>
+              <a:t>поредица</a:t>
+            </a:r>
+            <a:r>
+              <a:rPr lang="ru-RU" sz="2000" dirty="0">
+                <a:solidFill>
+                  <a:schemeClr val="bg1">
+                    <a:lumMod val="95000"/>
+                  </a:schemeClr>
+                </a:solidFill>
+              </a:rPr>
+              <a:t> от цели числа (примерно 5 числа) и </a:t>
+            </a:r>
+            <a:r>
+              <a:rPr lang="ru-RU" sz="2000" dirty="0" err="1">
+                <a:solidFill>
+                  <a:schemeClr val="bg1">
+                    <a:lumMod val="95000"/>
+                  </a:schemeClr>
+                </a:solidFill>
+              </a:rPr>
               <a:t>отпечатва</a:t>
             </a:r>
             <a:r>
@@ -7529,7 +7774,7 @@
                   </a:schemeClr>
                 </a:solidFill>
               </a:rPr>
-              <a:t> на </a:t>
+              <a:t> </a:t>
             </a:r>
             <a:r>
               <a:rPr lang="ru-RU" sz="2000" dirty="0" err="1">
@@ -7539,7 +7784,7 @@
                   </a:schemeClr>
                 </a:solidFill>
               </a:rPr>
-              <a:t>конзолата</a:t>
+              <a:t>най-малкото</a:t>
             </a:r>
             <a:r>
               <a:rPr lang="ru-RU" sz="2000" dirty="0">
@@ -7549,7 +7794,7 @@
                   </a:schemeClr>
                 </a:solidFill>
               </a:rPr>
-              <a:t> </a:t>
+              <a:t> и </a:t>
             </a:r>
             <a:r>
               <a:rPr lang="ru-RU" sz="2000" dirty="0" err="1">
@@ -7559,7 +7804,7 @@
                   </a:schemeClr>
                 </a:solidFill>
               </a:rPr>
-              <a:t>числата</a:t>
+              <a:t>най-голямото</a:t>
             </a:r>
             <a:r>
               <a:rPr lang="ru-RU" sz="2000" dirty="0">
@@ -7569,7 +7814,7 @@
                   </a:schemeClr>
                 </a:solidFill>
               </a:rPr>
-              <a:t> от 1 до N, </a:t>
+              <a:t> от </a:t>
             </a:r>
             <a:r>
               <a:rPr lang="ru-RU" sz="2000" dirty="0" err="1">
@@ -7579,7 +7824,7 @@
                   </a:schemeClr>
                 </a:solidFill>
               </a:rPr>
-              <a:t>които</a:t>
+              <a:t>тях</a:t>
             </a:r>
             <a:r>
               <a:rPr lang="ru-RU" sz="2000" dirty="0">
@@ -7589,252 +7834,25 @@
                   </a:schemeClr>
                 </a:solidFill>
               </a:rPr>
-              <a:t> не се делят на 3 и 7. </a:t>
-            </a:r>
-            <a:r>
-              <a:rPr lang="ru-RU" sz="2000" dirty="0" err="1">
-                <a:solidFill>
-                  <a:schemeClr val="bg1">
-                    <a:lumMod val="95000"/>
-                  </a:schemeClr>
-                </a:solidFill>
-              </a:rPr>
-              <a:t>Числото</a:t>
-            </a:r>
-            <a:r>
-              <a:rPr lang="ru-RU" sz="2000" dirty="0">
-                <a:solidFill>
-                  <a:schemeClr val="bg1">
-                    <a:lumMod val="95000"/>
-                  </a:schemeClr>
-                </a:solidFill>
-              </a:rPr>
-              <a:t> N се </a:t>
-            </a:r>
-            <a:r>
-              <a:rPr lang="ru-RU" sz="2000" dirty="0" err="1">
-                <a:solidFill>
-                  <a:schemeClr val="bg1">
-                    <a:lumMod val="95000"/>
-                  </a:schemeClr>
-                </a:solidFill>
-              </a:rPr>
-              <a:t>въвежда</a:t>
-            </a:r>
-            <a:r>
-              <a:rPr lang="ru-RU" sz="2000" dirty="0">
-                <a:solidFill>
-                  <a:schemeClr val="bg1">
-                    <a:lumMod val="95000"/>
-                  </a:schemeClr>
-                </a:solidFill>
-              </a:rPr>
-              <a:t> от </a:t>
-            </a:r>
-            <a:r>
-              <a:rPr lang="ru-RU" sz="2000" dirty="0" err="1">
-                <a:solidFill>
-                  <a:schemeClr val="bg1">
-                    <a:lumMod val="95000"/>
-                  </a:schemeClr>
-                </a:solidFill>
-              </a:rPr>
-              <a:t>конзолата</a:t>
-            </a:r>
-            <a:r>
-              <a:rPr lang="ru-RU" sz="2000" dirty="0">
-                <a:solidFill>
-                  <a:schemeClr val="bg1">
-                    <a:lumMod val="95000"/>
-                  </a:schemeClr>
-                </a:solidFill>
-              </a:rPr>
               <a:t>.</a:t>
             </a:r>
           </a:p>
           <a:p>
-            <a:pPr marL="457200" indent="-457200">
-              <a:buFont typeface="+mj-lt"/>
-              <a:buAutoNum type="arabicParenR"/>
+            <a:pPr marL="0" indent="0">
+              <a:buNone/>
             </a:pPr>
             <a:r>
-              <a:rPr lang="ru-RU" sz="2000" dirty="0">
-                <a:solidFill>
-                  <a:schemeClr val="bg1">
-                    <a:lumMod val="95000"/>
-                  </a:schemeClr>
-                </a:solidFill>
-              </a:rPr>
-              <a:t>Напишете </a:t>
-            </a:r>
-            <a:r>
-              <a:rPr lang="ru-RU" sz="2000" dirty="0" err="1">
-                <a:solidFill>
-                  <a:schemeClr val="bg1">
-                    <a:lumMod val="95000"/>
-                  </a:schemeClr>
-                </a:solidFill>
-              </a:rPr>
-              <a:t>програма</a:t>
-            </a:r>
-            <a:r>
-              <a:rPr lang="ru-RU" sz="2000" dirty="0">
-                <a:solidFill>
-                  <a:schemeClr val="bg1">
-                    <a:lumMod val="95000"/>
-                  </a:schemeClr>
-                </a:solidFill>
-              </a:rPr>
-              <a:t>, </a:t>
-            </a:r>
-            <a:r>
-              <a:rPr lang="ru-RU" sz="2000" dirty="0" err="1">
-                <a:solidFill>
-                  <a:schemeClr val="bg1">
-                    <a:lumMod val="95000"/>
-                  </a:schemeClr>
-                </a:solidFill>
-              </a:rPr>
-              <a:t>която</a:t>
-            </a:r>
-            <a:r>
-              <a:rPr lang="ru-RU" sz="2000" dirty="0">
-                <a:solidFill>
-                  <a:schemeClr val="bg1">
-                    <a:lumMod val="95000"/>
-                  </a:schemeClr>
-                </a:solidFill>
-              </a:rPr>
-              <a:t> чете от </a:t>
-            </a:r>
-            <a:r>
-              <a:rPr lang="ru-RU" sz="2000" dirty="0" err="1">
-                <a:solidFill>
-                  <a:schemeClr val="bg1">
-                    <a:lumMod val="95000"/>
-                  </a:schemeClr>
-                </a:solidFill>
-              </a:rPr>
-              <a:t>конзолата</a:t>
-            </a:r>
-            <a:r>
-              <a:rPr lang="ru-RU" sz="2000" dirty="0">
-                <a:solidFill>
-                  <a:schemeClr val="bg1">
-                    <a:lumMod val="95000"/>
-                  </a:schemeClr>
-                </a:solidFill>
-              </a:rPr>
-              <a:t> </a:t>
-            </a:r>
-            <a:r>
-              <a:rPr lang="ru-RU" sz="2000" dirty="0" err="1">
-                <a:solidFill>
-                  <a:schemeClr val="bg1">
-                    <a:lumMod val="95000"/>
-                  </a:schemeClr>
-                </a:solidFill>
-              </a:rPr>
-              <a:t>поредица</a:t>
-            </a:r>
-            <a:r>
-              <a:rPr lang="ru-RU" sz="2000" dirty="0">
-                <a:solidFill>
-                  <a:schemeClr val="bg1">
-                    <a:lumMod val="95000"/>
-                  </a:schemeClr>
-                </a:solidFill>
-              </a:rPr>
-              <a:t> от цели числа (примерно 5 числа) и </a:t>
-            </a:r>
-            <a:r>
-              <a:rPr lang="ru-RU" sz="2000" dirty="0" err="1">
-                <a:solidFill>
-                  <a:schemeClr val="bg1">
-                    <a:lumMod val="95000"/>
-                  </a:schemeClr>
-                </a:solidFill>
-              </a:rPr>
-              <a:t>отпечатва</a:t>
-            </a:r>
-            <a:r>
-              <a:rPr lang="ru-RU" sz="2000" dirty="0">
-                <a:solidFill>
-                  <a:schemeClr val="bg1">
-                    <a:lumMod val="95000"/>
-                  </a:schemeClr>
-                </a:solidFill>
-              </a:rPr>
-              <a:t> </a:t>
-            </a:r>
-            <a:r>
-              <a:rPr lang="ru-RU" sz="2000" dirty="0" err="1">
-                <a:solidFill>
-                  <a:schemeClr val="bg1">
-                    <a:lumMod val="95000"/>
-                  </a:schemeClr>
-                </a:solidFill>
-              </a:rPr>
-              <a:t>най-малкото</a:t>
-            </a:r>
-            <a:r>
-              <a:rPr lang="ru-RU" sz="2000" dirty="0">
-                <a:solidFill>
-                  <a:schemeClr val="bg1">
-                    <a:lumMod val="95000"/>
-                  </a:schemeClr>
-                </a:solidFill>
-              </a:rPr>
-              <a:t> и </a:t>
-            </a:r>
-            <a:r>
-              <a:rPr lang="ru-RU" sz="2000" dirty="0" err="1">
-                <a:solidFill>
-                  <a:schemeClr val="bg1">
-                    <a:lumMod val="95000"/>
-                  </a:schemeClr>
-                </a:solidFill>
-              </a:rPr>
-              <a:t>най-голямото</a:t>
-            </a:r>
-            <a:r>
-              <a:rPr lang="ru-RU" sz="2000" dirty="0">
-                <a:solidFill>
-                  <a:schemeClr val="bg1">
-                    <a:lumMod val="95000"/>
-                  </a:schemeClr>
-                </a:solidFill>
-              </a:rPr>
-              <a:t> от </a:t>
-            </a:r>
-            <a:r>
-              <a:rPr lang="ru-RU" sz="2000" dirty="0" err="1">
-                <a:solidFill>
-                  <a:schemeClr val="bg1">
-                    <a:lumMod val="95000"/>
-                  </a:schemeClr>
-                </a:solidFill>
-              </a:rPr>
-              <a:t>тях</a:t>
-            </a:r>
-            <a:r>
-              <a:rPr lang="ru-RU" sz="2000" dirty="0">
-                <a:solidFill>
-                  <a:schemeClr val="bg1">
-                    <a:lumMod val="95000"/>
-                  </a:schemeClr>
-                </a:solidFill>
-              </a:rPr>
-              <a:t>.</a:t>
-            </a:r>
-          </a:p>
-          <a:p>
-            <a:pPr marL="457200" indent="-457200">
-              <a:buFont typeface="+mj-lt"/>
-              <a:buAutoNum type="arabicParenR"/>
-            </a:pPr>
-            <a:r>
-              <a:rPr lang="ru-RU" sz="2000" dirty="0">
+              <a:rPr lang="en-US" sz="2000" dirty="0" smtClean="0">
+                <a:solidFill>
+                  <a:schemeClr val="bg1">
+                    <a:lumMod val="95000"/>
+                  </a:schemeClr>
+                </a:solidFill>
+              </a:rPr>
+              <a:t>3.2.4) </a:t>
+            </a:r>
+            <a:r>
+              <a:rPr lang="ru-RU" sz="2000" dirty="0" smtClean="0">
                 <a:solidFill>
                   <a:schemeClr val="bg1">
                     <a:lumMod val="95000"/>
@@ -7950,11 +7968,40 @@
             </a:endParaRPr>
           </a:p>
           <a:p>
-            <a:pPr marL="457200" indent="-457200">
-              <a:buFont typeface="+mj-lt"/>
-              <a:buAutoNum type="arabicParenR"/>
+            <a:pPr marL="0" indent="0">
+              <a:buNone/>
             </a:pPr>
             <a:r>
+              <a:rPr lang="en-US" sz="2000" dirty="0" smtClean="0">
+                <a:solidFill>
+                  <a:schemeClr val="bg1">
+                    <a:lumMod val="95000"/>
+                  </a:schemeClr>
+                </a:solidFill>
+              </a:rPr>
+              <a:t>3.2.5) </a:t>
+            </a:r>
+            <a:r>
+              <a:rPr lang="ru-RU" sz="2000" dirty="0" smtClean="0">
+                <a:solidFill>
+                  <a:schemeClr val="bg1">
+                    <a:lumMod val="95000"/>
+                  </a:schemeClr>
+                </a:solidFill>
+              </a:rPr>
+              <a:t>Напишете </a:t>
+            </a:r>
+            <a:r>
+              <a:rPr lang="ru-RU" sz="2000" dirty="0" err="1">
+                <a:solidFill>
+                  <a:schemeClr val="bg1">
+                    <a:lumMod val="95000"/>
+                  </a:schemeClr>
+                </a:solidFill>
+              </a:rPr>
+              <a:t>програма</a:t>
+            </a:r>
+            <a:r>
               <a:rPr lang="ru-RU" sz="2000" dirty="0">
                 <a:solidFill>
                   <a:schemeClr val="bg1">
@@ -7962,7 +8009,7 @@
                   </a:schemeClr>
                 </a:solidFill>
               </a:rPr>
-              <a:t>Напишете </a:t>
+              <a:t>, </a:t>
             </a:r>
             <a:r>
               <a:rPr lang="ru-RU" sz="2000" dirty="0" err="1">
@@ -7972,7 +8019,7 @@
                   </a:schemeClr>
                 </a:solidFill>
               </a:rPr>
-              <a:t>програма</a:t>
+              <a:t>която</a:t>
             </a:r>
             <a:r>
               <a:rPr lang="ru-RU" sz="2000" dirty="0">
@@ -7982,7 +8029,7 @@
                   </a:schemeClr>
                 </a:solidFill>
               </a:rPr>
-              <a:t>, </a:t>
+              <a:t> </a:t>
             </a:r>
             <a:r>
               <a:rPr lang="ru-RU" sz="2000" dirty="0" err="1">
@@ -7992,7 +8039,7 @@
                   </a:schemeClr>
                 </a:solidFill>
               </a:rPr>
-              <a:t>която</a:t>
+              <a:t>пресмята</a:t>
             </a:r>
             <a:r>
               <a:rPr lang="ru-RU" sz="2000" dirty="0">
@@ -8002,27 +8049,17 @@
                   </a:schemeClr>
                 </a:solidFill>
               </a:rPr>
-              <a:t> </a:t>
-            </a:r>
-            <a:r>
-              <a:rPr lang="ru-RU" sz="2000" dirty="0" err="1">
-                <a:solidFill>
-                  <a:schemeClr val="bg1">
-                    <a:lumMod val="95000"/>
-                  </a:schemeClr>
-                </a:solidFill>
-              </a:rPr>
-              <a:t>пресмята</a:t>
-            </a:r>
-            <a:r>
-              <a:rPr lang="ru-RU" sz="2000" dirty="0">
-                <a:solidFill>
-                  <a:schemeClr val="bg1">
-                    <a:lumMod val="95000"/>
-                  </a:schemeClr>
-                </a:solidFill>
-              </a:rPr>
-              <a:t> N!*K!/(N-K)! за </a:t>
+              <a:t> N!*K!/(N-K)! </a:t>
+            </a:r>
+            <a:r>
+              <a:rPr lang="ru-RU" sz="2000" dirty="0" smtClean="0">
+                <a:solidFill>
+                  <a:schemeClr val="bg1">
+                    <a:lumMod val="95000"/>
+                  </a:schemeClr>
+                </a:solidFill>
+              </a:rPr>
+              <a:t>за </a:t>
             </a:r>
             <a:r>
               <a:rPr lang="ru-RU" sz="2000" dirty="0" err="1">
@@ -8628,11 +8665,6 @@
               </a:rPr>
               <a:t> </a:t>
             </a:r>
-          </a:p>
-          <a:p>
-            <a:pPr marL="0" indent="0">
-              <a:buNone/>
-            </a:pPr>
             <a:r>
               <a:rPr lang="en-US" dirty="0" smtClean="0">
                 <a:solidFill>
@@ -8643,6 +8675,13 @@
               </a:rPr>
               <a:t>{</a:t>
             </a:r>
+            <a:endParaRPr lang="en-US" dirty="0" smtClean="0">
+              <a:solidFill>
+                <a:schemeClr val="bg1">
+                  <a:lumMod val="95000"/>
+                </a:schemeClr>
+              </a:solidFill>
+            </a:endParaRPr>
           </a:p>
           <a:p>
             <a:pPr marL="0" indent="0">
@@ -9285,30 +9324,15 @@
                   </a:schemeClr>
                 </a:solidFill>
               </a:rPr>
-              <a:t>do</a:t>
-            </a:r>
-            <a:endParaRPr lang="bg-BG" dirty="0" smtClean="0">
+              <a:t>do {</a:t>
+            </a:r>
+            <a:endParaRPr lang="en-US" dirty="0" smtClean="0">
               <a:solidFill>
                 <a:schemeClr val="bg1">
                   <a:lumMod val="95000"/>
                 </a:schemeClr>
               </a:solidFill>
             </a:endParaRPr>
-          </a:p>
-          <a:p>
-            <a:pPr marL="0" indent="0">
-              <a:buNone/>
-            </a:pPr>
-            <a:r>
-              <a:rPr lang="en-US" dirty="0" smtClean="0">
-                <a:solidFill>
-                  <a:schemeClr val="bg1">
-                    <a:lumMod val="95000"/>
-                  </a:schemeClr>
-                </a:solidFill>
-              </a:rPr>
-              <a:t>{</a:t>
-            </a:r>
           </a:p>
           <a:p>
             <a:pPr marL="0" indent="0">
